--- a/PowerPoint/PPT Test.pptx
+++ b/PowerPoint/PPT Test.pptx
@@ -104,6 +104,11 @@
       </a:defRPr>
     </a:lvl9pPr>
   </p:defaultTextStyle>
+  <p:extLst>
+    <p:ext uri="{EFAFB233-063F-42B5-8137-9DF3F51BA10A}">
+      <p15:sldGuideLst xmlns:p15="http://schemas.microsoft.com/office/powerpoint/2012/main"/>
+    </p:ext>
+  </p:extLst>
 </p:presentation>
 </file>
 
@@ -5674,7 +5679,11 @@
           <a:p>
             <a:r>
               <a:rPr lang="en-US" smtClean="0"/>
-              <a:t>Version 1</a:t>
+              <a:t>Version </a:t>
+            </a:r>
+            <a:r>
+              <a:rPr lang="en-US" smtClean="0"/>
+              <a:t>2</a:t>
             </a:r>
             <a:endParaRPr lang="en-US"/>
           </a:p>

--- a/PowerPoint/PPT Test.pptx
+++ b/PowerPoint/PPT Test.pptx
@@ -5682,10 +5682,10 @@
               <a:t>Version </a:t>
             </a:r>
             <a:r>
-              <a:rPr lang="en-US" smtClean="0"/>
-              <a:t>2</a:t>
-            </a:r>
-            <a:endParaRPr lang="en-US"/>
+              <a:rPr lang="en-US"/>
+              <a:t>3</a:t>
+            </a:r>
+            <a:endParaRPr lang="en-US" dirty="0"/>
           </a:p>
         </p:txBody>
       </p:sp>

--- a/PowerPoint/PPT Test.pptx
+++ b/PowerPoint/PPT Test.pptx
@@ -5682,8 +5682,8 @@
               <a:t>Version </a:t>
             </a:r>
             <a:r>
-              <a:rPr lang="en-US"/>
-              <a:t>3</a:t>
+              <a:rPr lang="en-US" smtClean="0"/>
+              <a:t>4</a:t>
             </a:r>
             <a:endParaRPr lang="en-US" dirty="0"/>
           </a:p>

--- a/PowerPoint/PPT Test.pptx
+++ b/PowerPoint/PPT Test.pptx
@@ -5682,8 +5682,8 @@
               <a:t>Version </a:t>
             </a:r>
             <a:r>
-              <a:rPr lang="en-US" smtClean="0"/>
-              <a:t>4</a:t>
+              <a:rPr lang="en-US"/>
+              <a:t>5</a:t>
             </a:r>
             <a:endParaRPr lang="en-US" dirty="0"/>
           </a:p>

--- a/PowerPoint/PPT Test.pptx
+++ b/PowerPoint/PPT Test.pptx
@@ -5683,7 +5683,7 @@
             </a:r>
             <a:r>
               <a:rPr lang="en-US"/>
-              <a:t>5</a:t>
+              <a:t>6</a:t>
             </a:r>
             <a:endParaRPr lang="en-US" dirty="0"/>
           </a:p>

--- a/PowerPoint/PPT Test.pptx
+++ b/PowerPoint/PPT Test.pptx
@@ -5678,12 +5678,12 @@
           <a:lstStyle/>
           <a:p>
             <a:r>
-              <a:rPr lang="en-US" smtClean="0"/>
+              <a:rPr lang="en-US" dirty="0"/>
               <a:t>Version </a:t>
             </a:r>
             <a:r>
-              <a:rPr lang="en-US"/>
-              <a:t>6</a:t>
+              <a:rPr lang="en-US" smtClean="0"/>
+              <a:t>7 Merged 4&amp;6</a:t>
             </a:r>
             <a:endParaRPr lang="en-US" dirty="0"/>
           </a:p>

--- a/PowerPoint/PPT Test.pptx
+++ b/PowerPoint/PPT Test.pptx
@@ -5678,12 +5678,12 @@
           <a:lstStyle/>
           <a:p>
             <a:r>
-              <a:rPr lang="en-US" dirty="0"/>
+              <a:rPr lang="en-US" smtClean="0"/>
               <a:t>Version </a:t>
             </a:r>
             <a:r>
-              <a:rPr lang="en-US" smtClean="0"/>
-              <a:t>7 Merged 4&amp;6</a:t>
+              <a:rPr lang="en-US"/>
+              <a:t>5</a:t>
             </a:r>
             <a:endParaRPr lang="en-US" dirty="0"/>
           </a:p>

--- a/PowerPoint/PPT Test.pptx
+++ b/PowerPoint/PPT Test.pptx
@@ -5682,10 +5682,10 @@
               <a:t>Version </a:t>
             </a:r>
             <a:r>
-              <a:rPr lang="en-US"/>
-              <a:t>6</a:t>
-            </a:r>
-            <a:endParaRPr lang="en-US" dirty="0"/>
+              <a:rPr lang="en-US" smtClean="0"/>
+              <a:t>2</a:t>
+            </a:r>
+            <a:endParaRPr lang="en-US"/>
           </a:p>
         </p:txBody>
       </p:sp>

--- a/PowerPoint/PPT Test.pptx
+++ b/PowerPoint/PPT Test.pptx
@@ -5682,10 +5682,10 @@
               <a:t>Version </a:t>
             </a:r>
             <a:r>
-              <a:rPr lang="en-US" smtClean="0"/>
-              <a:t>2</a:t>
-            </a:r>
-            <a:endParaRPr lang="en-US"/>
+              <a:rPr lang="en-US"/>
+              <a:t>6</a:t>
+            </a:r>
+            <a:endParaRPr lang="en-US" dirty="0"/>
           </a:p>
         </p:txBody>
       </p:sp>

--- a/PowerPoint/PPT Test.pptx
+++ b/PowerPoint/PPT Test.pptx
@@ -6,6 +6,8 @@
   </p:sldMasterIdLst>
   <p:sldIdLst>
     <p:sldId id="256" r:id="rId2"/>
+    <p:sldId id="257" r:id="rId3"/>
+    <p:sldId id="258" r:id="rId4"/>
   </p:sldIdLst>
   <p:sldSz cx="12192000" cy="6858000"/>
   <p:notesSz cx="6858000" cy="9144000"/>
@@ -282,7 +284,7 @@
           <a:p>
             <a:fld id="{48A87A34-81AB-432B-8DAE-1953F412C126}" type="datetimeFigureOut">
               <a:rPr lang="en-US" dirty="0"/>
-              <a:t>8/19/2014</a:t>
+              <a:t>8/24/2014</a:t>
             </a:fld>
             <a:endParaRPr lang="en-US" dirty="0"/>
           </a:p>
@@ -544,7 +546,7 @@
           <a:p>
             <a:fld id="{48A87A34-81AB-432B-8DAE-1953F412C126}" type="datetimeFigureOut">
               <a:rPr lang="en-US" dirty="0"/>
-              <a:t>8/19/2014</a:t>
+              <a:t>8/24/2014</a:t>
             </a:fld>
             <a:endParaRPr lang="en-US" dirty="0"/>
           </a:p>
@@ -771,7 +773,7 @@
             <a:fld id="{48A87A34-81AB-432B-8DAE-1953F412C126}" type="datetimeFigureOut">
               <a:rPr lang="en-US" dirty="0"/>
               <a:pPr/>
-              <a:t>8/19/2014</a:t>
+              <a:t>8/24/2014</a:t>
             </a:fld>
             <a:endParaRPr lang="en-US" dirty="0"/>
           </a:p>
@@ -1077,7 +1079,7 @@
             <a:fld id="{48A87A34-81AB-432B-8DAE-1953F412C126}" type="datetimeFigureOut">
               <a:rPr lang="en-US" dirty="0"/>
               <a:pPr/>
-              <a:t>8/19/2014</a:t>
+              <a:t>8/24/2014</a:t>
             </a:fld>
             <a:endParaRPr lang="en-US" dirty="0"/>
           </a:p>
@@ -1546,7 +1548,7 @@
             <a:fld id="{48A87A34-81AB-432B-8DAE-1953F412C126}" type="datetimeFigureOut">
               <a:rPr lang="en-US" dirty="0"/>
               <a:pPr/>
-              <a:t>8/19/2014</a:t>
+              <a:t>8/24/2014</a:t>
             </a:fld>
             <a:endParaRPr lang="en-US" dirty="0"/>
           </a:p>
@@ -2088,7 +2090,7 @@
           <a:p>
             <a:fld id="{48A87A34-81AB-432B-8DAE-1953F412C126}" type="datetimeFigureOut">
               <a:rPr lang="en-US" dirty="0"/>
-              <a:t>8/19/2014</a:t>
+              <a:t>8/24/2014</a:t>
             </a:fld>
             <a:endParaRPr lang="en-US" dirty="0"/>
           </a:p>
@@ -2857,7 +2859,7 @@
           <a:p>
             <a:fld id="{48A87A34-81AB-432B-8DAE-1953F412C126}" type="datetimeFigureOut">
               <a:rPr lang="en-US" dirty="0"/>
-              <a:t>8/19/2014</a:t>
+              <a:t>8/24/2014</a:t>
             </a:fld>
             <a:endParaRPr lang="en-US" dirty="0"/>
           </a:p>
@@ -3027,7 +3029,7 @@
           <a:p>
             <a:fld id="{48A87A34-81AB-432B-8DAE-1953F412C126}" type="datetimeFigureOut">
               <a:rPr lang="en-US" dirty="0"/>
-              <a:t>8/19/2014</a:t>
+              <a:t>8/24/2014</a:t>
             </a:fld>
             <a:endParaRPr lang="en-US" dirty="0"/>
           </a:p>
@@ -3246,7 +3248,7 @@
             <a:fld id="{48A87A34-81AB-432B-8DAE-1953F412C126}" type="datetimeFigureOut">
               <a:rPr lang="en-US" dirty="0"/>
               <a:pPr/>
-              <a:t>8/19/2014</a:t>
+              <a:t>8/24/2014</a:t>
             </a:fld>
             <a:endParaRPr lang="en-US" dirty="0"/>
           </a:p>
@@ -3421,7 +3423,7 @@
           <a:p>
             <a:fld id="{48A87A34-81AB-432B-8DAE-1953F412C126}" type="datetimeFigureOut">
               <a:rPr lang="en-US" dirty="0"/>
-              <a:t>8/19/2014</a:t>
+              <a:t>8/24/2014</a:t>
             </a:fld>
             <a:endParaRPr lang="en-US" dirty="0"/>
           </a:p>
@@ -3706,7 +3708,7 @@
             <a:fld id="{48A87A34-81AB-432B-8DAE-1953F412C126}" type="datetimeFigureOut">
               <a:rPr lang="en-US" dirty="0"/>
               <a:pPr/>
-              <a:t>8/19/2014</a:t>
+              <a:t>8/24/2014</a:t>
             </a:fld>
             <a:endParaRPr lang="en-US" dirty="0"/>
           </a:p>
@@ -3943,7 +3945,7 @@
           <a:p>
             <a:fld id="{48A87A34-81AB-432B-8DAE-1953F412C126}" type="datetimeFigureOut">
               <a:rPr lang="en-US" dirty="0"/>
-              <a:t>8/19/2014</a:t>
+              <a:t>8/24/2014</a:t>
             </a:fld>
             <a:endParaRPr lang="en-US" dirty="0"/>
           </a:p>
@@ -4317,7 +4319,7 @@
           <a:p>
             <a:fld id="{48A87A34-81AB-432B-8DAE-1953F412C126}" type="datetimeFigureOut">
               <a:rPr lang="en-US" dirty="0"/>
-              <a:t>8/19/2014</a:t>
+              <a:t>8/24/2014</a:t>
             </a:fld>
             <a:endParaRPr lang="en-US" dirty="0"/>
           </a:p>
@@ -4430,7 +4432,7 @@
           <a:p>
             <a:fld id="{48A87A34-81AB-432B-8DAE-1953F412C126}" type="datetimeFigureOut">
               <a:rPr lang="en-US" dirty="0"/>
-              <a:t>8/19/2014</a:t>
+              <a:t>8/24/2014</a:t>
             </a:fld>
             <a:endParaRPr lang="en-US" dirty="0"/>
           </a:p>
@@ -4520,7 +4522,7 @@
           <a:p>
             <a:fld id="{48A87A34-81AB-432B-8DAE-1953F412C126}" type="datetimeFigureOut">
               <a:rPr lang="en-US" dirty="0"/>
-              <a:t>8/19/2014</a:t>
+              <a:t>8/24/2014</a:t>
             </a:fld>
             <a:endParaRPr lang="en-US" dirty="0"/>
           </a:p>
@@ -4764,7 +4766,7 @@
           <a:p>
             <a:fld id="{48A87A34-81AB-432B-8DAE-1953F412C126}" type="datetimeFigureOut">
               <a:rPr lang="en-US" dirty="0"/>
-              <a:t>8/19/2014</a:t>
+              <a:t>8/24/2014</a:t>
             </a:fld>
             <a:endParaRPr lang="en-US" dirty="0"/>
           </a:p>
@@ -5016,7 +5018,7 @@
           <a:p>
             <a:fld id="{48A87A34-81AB-432B-8DAE-1953F412C126}" type="datetimeFigureOut">
               <a:rPr lang="en-US" dirty="0"/>
-              <a:t>8/19/2014</a:t>
+              <a:t>8/24/2014</a:t>
             </a:fld>
             <a:endParaRPr lang="en-US" dirty="0"/>
           </a:p>
@@ -5255,7 +5257,7 @@
             <a:fld id="{48A87A34-81AB-432B-8DAE-1953F412C126}" type="datetimeFigureOut">
               <a:rPr lang="en-US" dirty="0"/>
               <a:pPr/>
-              <a:t>8/19/2014</a:t>
+              <a:t>8/24/2014</a:t>
             </a:fld>
             <a:endParaRPr lang="en-US" dirty="0"/>
           </a:p>
@@ -5678,12 +5680,8 @@
           <a:lstStyle/>
           <a:p>
             <a:r>
-              <a:rPr lang="en-US" smtClean="0"/>
-              <a:t>Version </a:t>
-            </a:r>
-            <a:r>
-              <a:rPr lang="en-US"/>
-              <a:t>6</a:t>
+              <a:rPr lang="en-US" dirty="0" smtClean="0"/>
+              <a:t>Page 1</a:t>
             </a:r>
             <a:endParaRPr lang="en-US" dirty="0"/>
           </a:p>
@@ -5712,6 +5710,150 @@
     <p:extLst>
       <p:ext uri="{BB962C8B-B14F-4D97-AF65-F5344CB8AC3E}">
         <p14:creationId xmlns:p14="http://schemas.microsoft.com/office/powerpoint/2010/main" val="1344608092"/>
+      </p:ext>
+    </p:extLst>
+  </p:cSld>
+  <p:clrMapOvr>
+    <a:masterClrMapping/>
+  </p:clrMapOvr>
+</p:sld>
+</file>
+
+<file path=ppt/slides/slide2.xml><?xml version="1.0" encoding="utf-8"?>
+<p:sld xmlns:a="http://schemas.openxmlformats.org/drawingml/2006/main" xmlns:r="http://schemas.openxmlformats.org/officeDocument/2006/relationships" xmlns:p="http://schemas.openxmlformats.org/presentationml/2006/main">
+  <p:cSld>
+    <p:spTree>
+      <p:nvGrpSpPr>
+        <p:cNvPr id="1" name=""/>
+        <p:cNvGrpSpPr/>
+        <p:nvPr/>
+      </p:nvGrpSpPr>
+      <p:grpSpPr>
+        <a:xfrm>
+          <a:off x="0" y="0"/>
+          <a:ext cx="0" cy="0"/>
+          <a:chOff x="0" y="0"/>
+          <a:chExt cx="0" cy="0"/>
+        </a:xfrm>
+      </p:grpSpPr>
+      <p:sp>
+        <p:nvSpPr>
+          <p:cNvPr id="2" name="Title 1"/>
+          <p:cNvSpPr>
+            <a:spLocks noGrp="1"/>
+          </p:cNvSpPr>
+          <p:nvPr>
+            <p:ph type="ctrTitle"/>
+          </p:nvPr>
+        </p:nvSpPr>
+        <p:spPr/>
+        <p:txBody>
+          <a:bodyPr/>
+          <a:lstStyle/>
+          <a:p>
+            <a:r>
+              <a:rPr lang="en-US" dirty="0" smtClean="0"/>
+              <a:t>Page 2</a:t>
+            </a:r>
+            <a:endParaRPr lang="en-US" dirty="0"/>
+          </a:p>
+        </p:txBody>
+      </p:sp>
+      <p:sp>
+        <p:nvSpPr>
+          <p:cNvPr id="3" name="Subtitle 2"/>
+          <p:cNvSpPr>
+            <a:spLocks noGrp="1"/>
+          </p:cNvSpPr>
+          <p:nvPr>
+            <p:ph type="subTitle" idx="1"/>
+          </p:nvPr>
+        </p:nvSpPr>
+        <p:spPr/>
+        <p:txBody>
+          <a:bodyPr/>
+          <a:lstStyle/>
+          <a:p>
+            <a:endParaRPr lang="en-US"/>
+          </a:p>
+        </p:txBody>
+      </p:sp>
+    </p:spTree>
+    <p:extLst>
+      <p:ext uri="{BB962C8B-B14F-4D97-AF65-F5344CB8AC3E}">
+        <p14:creationId xmlns:p14="http://schemas.microsoft.com/office/powerpoint/2010/main" val="3720571530"/>
+      </p:ext>
+    </p:extLst>
+  </p:cSld>
+  <p:clrMapOvr>
+    <a:masterClrMapping/>
+  </p:clrMapOvr>
+</p:sld>
+</file>
+
+<file path=ppt/slides/slide3.xml><?xml version="1.0" encoding="utf-8"?>
+<p:sld xmlns:a="http://schemas.openxmlformats.org/drawingml/2006/main" xmlns:r="http://schemas.openxmlformats.org/officeDocument/2006/relationships" xmlns:p="http://schemas.openxmlformats.org/presentationml/2006/main">
+  <p:cSld>
+    <p:spTree>
+      <p:nvGrpSpPr>
+        <p:cNvPr id="1" name=""/>
+        <p:cNvGrpSpPr/>
+        <p:nvPr/>
+      </p:nvGrpSpPr>
+      <p:grpSpPr>
+        <a:xfrm>
+          <a:off x="0" y="0"/>
+          <a:ext cx="0" cy="0"/>
+          <a:chOff x="0" y="0"/>
+          <a:chExt cx="0" cy="0"/>
+        </a:xfrm>
+      </p:grpSpPr>
+      <p:sp>
+        <p:nvSpPr>
+          <p:cNvPr id="2" name="Title 1"/>
+          <p:cNvSpPr>
+            <a:spLocks noGrp="1"/>
+          </p:cNvSpPr>
+          <p:nvPr>
+            <p:ph type="ctrTitle"/>
+          </p:nvPr>
+        </p:nvSpPr>
+        <p:spPr/>
+        <p:txBody>
+          <a:bodyPr/>
+          <a:lstStyle/>
+          <a:p>
+            <a:r>
+              <a:rPr lang="en-US" dirty="0" smtClean="0"/>
+              <a:t>Page 3</a:t>
+            </a:r>
+            <a:endParaRPr lang="en-US" dirty="0"/>
+          </a:p>
+        </p:txBody>
+      </p:sp>
+      <p:sp>
+        <p:nvSpPr>
+          <p:cNvPr id="3" name="Subtitle 2"/>
+          <p:cNvSpPr>
+            <a:spLocks noGrp="1"/>
+          </p:cNvSpPr>
+          <p:nvPr>
+            <p:ph type="subTitle" idx="1"/>
+          </p:nvPr>
+        </p:nvSpPr>
+        <p:spPr/>
+        <p:txBody>
+          <a:bodyPr/>
+          <a:lstStyle/>
+          <a:p>
+            <a:endParaRPr lang="en-US"/>
+          </a:p>
+        </p:txBody>
+      </p:sp>
+    </p:spTree>
+    <p:extLst>
+      <p:ext uri="{BB962C8B-B14F-4D97-AF65-F5344CB8AC3E}">
+        <p14:creationId xmlns:p14="http://schemas.microsoft.com/office/powerpoint/2010/main" val="2307074657"/>
       </p:ext>
     </p:extLst>
   </p:cSld>

--- a/PowerPoint/PPT Test.pptx
+++ b/PowerPoint/PPT Test.pptx
@@ -5681,7 +5681,7 @@
           <a:p>
             <a:r>
               <a:rPr lang="en-US" dirty="0" smtClean="0"/>
-              <a:t>Page 1</a:t>
+              <a:t>Bog 1</a:t>
             </a:r>
             <a:endParaRPr lang="en-US" dirty="0"/>
           </a:p>
@@ -5753,7 +5753,11 @@
           <a:p>
             <a:r>
               <a:rPr lang="en-US" dirty="0" smtClean="0"/>
-              <a:t>Page 2</a:t>
+              <a:t>Pare </a:t>
+            </a:r>
+            <a:r>
+              <a:rPr lang="en-US" dirty="0"/>
+              <a:t>4</a:t>
             </a:r>
             <a:endParaRPr lang="en-US" dirty="0"/>
           </a:p>
@@ -5846,6 +5850,22 @@
           <a:bodyPr/>
           <a:lstStyle/>
           <a:p>
+            <a:r>
+              <a:rPr lang="en-US" dirty="0" smtClean="0"/>
+              <a:t>DO </a:t>
+            </a:r>
+            <a:r>
+              <a:rPr lang="en-US" dirty="0" err="1" smtClean="0"/>
+              <a:t>DO</a:t>
+            </a:r>
+            <a:r>
+              <a:rPr lang="en-US" dirty="0" smtClean="0"/>
+              <a:t> </a:t>
+            </a:r>
+            <a:r>
+              <a:rPr lang="en-US" smtClean="0"/>
+              <a:t>DO</a:t>
+            </a:r>
             <a:endParaRPr lang="en-US"/>
           </a:p>
         </p:txBody>

--- a/PowerPoint/PPT Test.pptx
+++ b/PowerPoint/PPT Test.pptx
@@ -5680,8 +5680,16 @@
           <a:lstStyle/>
           <a:p>
             <a:r>
-              <a:rPr lang="en-US" dirty="0" smtClean="0"/>
-              <a:t>Bog 1</a:t>
+              <a:rPr lang="en-US"/>
+              <a:t>Page</a:t>
+            </a:r>
+            <a:r>
+              <a:rPr lang="en-US"/>
+              <a:t> </a:t>
+            </a:r>
+            <a:r>
+              <a:rPr lang="en-US" smtClean="0"/>
+              <a:t>1</a:t>
             </a:r>
             <a:endParaRPr lang="en-US" dirty="0"/>
           </a:p>
@@ -5752,12 +5760,16 @@
           <a:lstStyle/>
           <a:p>
             <a:r>
-              <a:rPr lang="en-US" dirty="0" smtClean="0"/>
-              <a:t>Pare </a:t>
-            </a:r>
-            <a:r>
-              <a:rPr lang="en-US" dirty="0"/>
-              <a:t>4</a:t>
+              <a:rPr lang="en-US"/>
+              <a:t>Page</a:t>
+            </a:r>
+            <a:r>
+              <a:rPr lang="en-US"/>
+              <a:t> </a:t>
+            </a:r>
+            <a:r>
+              <a:rPr lang="en-US" smtClean="0"/>
+              <a:t>2</a:t>
             </a:r>
             <a:endParaRPr lang="en-US" dirty="0"/>
           </a:p>
@@ -5850,23 +5862,7 @@
           <a:bodyPr/>
           <a:lstStyle/>
           <a:p>
-            <a:r>
-              <a:rPr lang="en-US" dirty="0" smtClean="0"/>
-              <a:t>DO </a:t>
-            </a:r>
-            <a:r>
-              <a:rPr lang="en-US" dirty="0" err="1" smtClean="0"/>
-              <a:t>DO</a:t>
-            </a:r>
-            <a:r>
-              <a:rPr lang="en-US" dirty="0" smtClean="0"/>
-              <a:t> </a:t>
-            </a:r>
-            <a:r>
-              <a:rPr lang="en-US" smtClean="0"/>
-              <a:t>DO</a:t>
-            </a:r>
-            <a:endParaRPr lang="en-US"/>
+            <a:endParaRPr lang="en-US" dirty="0"/>
           </a:p>
         </p:txBody>
       </p:sp>

--- a/PowerPoint/PPT Test.pptx
+++ b/PowerPoint/PPT Test.pptx
@@ -5680,15 +5680,11 @@
           <a:lstStyle/>
           <a:p>
             <a:r>
+              <a:rPr lang="en-US" smtClean="0"/>
+              <a:t>Page </a:t>
+            </a:r>
+            <a:r>
               <a:rPr lang="en-US"/>
-              <a:t>Page</a:t>
-            </a:r>
-            <a:r>
-              <a:rPr lang="en-US"/>
-              <a:t> </a:t>
-            </a:r>
-            <a:r>
-              <a:rPr lang="en-US" smtClean="0"/>
               <a:t>1</a:t>
             </a:r>
             <a:endParaRPr lang="en-US" dirty="0"/>
@@ -5761,7 +5757,7 @@
           <a:p>
             <a:r>
               <a:rPr lang="en-US"/>
-              <a:t>Page</a:t>
+              <a:t>Pare</a:t>
             </a:r>
             <a:r>
               <a:rPr lang="en-US"/>
@@ -5769,7 +5765,7 @@
             </a:r>
             <a:r>
               <a:rPr lang="en-US" smtClean="0"/>
-              <a:t>2</a:t>
+              <a:t>4</a:t>
             </a:r>
             <a:endParaRPr lang="en-US" dirty="0"/>
           </a:p>
@@ -5862,6 +5858,14 @@
           <a:bodyPr/>
           <a:lstStyle/>
           <a:p>
+            <a:r>
+              <a:rPr lang="en-US" dirty="0"/>
+              <a:t>DO</a:t>
+            </a:r>
+            <a:r>
+              <a:rPr lang="en-US"/>
+              <a:t> DO DO</a:t>
+            </a:r>
             <a:endParaRPr lang="en-US" dirty="0"/>
           </a:p>
         </p:txBody>

--- a/PowerPoint/PPT Test.pptx
+++ b/PowerPoint/PPT Test.pptx
@@ -5681,13 +5681,16 @@
           <a:p>
             <a:r>
               <a:rPr lang="en-US" smtClean="0"/>
-              <a:t>Page </a:t>
-            </a:r>
-            <a:r>
-              <a:rPr lang="en-US"/>
+              <a:t>PaTESTge</a:t>
+            </a:r>
+            <a:r>
+              <a:rPr lang="en-US" dirty="0" smtClean="0"/>
+              <a:t> </a:t>
+            </a:r>
+            <a:r>
+              <a:rPr lang="en-US" dirty="0"/>
               <a:t>1</a:t>
             </a:r>
-            <a:endParaRPr lang="en-US" dirty="0"/>
           </a:p>
         </p:txBody>
       </p:sp>

--- a/PowerPoint/PPT Test.pptx
+++ b/PowerPoint/PPT Test.pptx
@@ -5681,10 +5681,10 @@
           <a:p>
             <a:r>
               <a:rPr lang="en-US" smtClean="0"/>
-              <a:t>PaTESTge</a:t>
-            </a:r>
-            <a:r>
-              <a:rPr lang="en-US" dirty="0" smtClean="0"/>
+              <a:t>New Test</a:t>
+            </a:r>
+            <a:r>
+              <a:rPr lang="en-US" smtClean="0"/>
               <a:t> </a:t>
             </a:r>
             <a:r>
@@ -5760,11 +5760,7 @@
           <a:p>
             <a:r>
               <a:rPr lang="en-US"/>
-              <a:t>Pare</a:t>
-            </a:r>
-            <a:r>
-              <a:rPr lang="en-US"/>
-              <a:t> </a:t>
+              <a:t>Pare </a:t>
             </a:r>
             <a:r>
               <a:rPr lang="en-US" smtClean="0"/>

--- a/PowerPoint/PPT Test.pptx
+++ b/PowerPoint/PPT Test.pptx
@@ -5681,10 +5681,10 @@
           <a:p>
             <a:r>
               <a:rPr lang="en-US" smtClean="0"/>
-              <a:t>New Test</a:t>
-            </a:r>
-            <a:r>
-              <a:rPr lang="en-US" smtClean="0"/>
+              <a:t>PaTESTge</a:t>
+            </a:r>
+            <a:r>
+              <a:rPr lang="en-US" dirty="0" smtClean="0"/>
               <a:t> </a:t>
             </a:r>
             <a:r>
@@ -5760,7 +5760,11 @@
           <a:p>
             <a:r>
               <a:rPr lang="en-US"/>
-              <a:t>Pare </a:t>
+              <a:t>Pare</a:t>
+            </a:r>
+            <a:r>
+              <a:rPr lang="en-US"/>
+              <a:t> </a:t>
             </a:r>
             <a:r>
               <a:rPr lang="en-US" smtClean="0"/>
